--- a/JavaScript/JavaScript基础(ES5).pptx
+++ b/JavaScript/JavaScript基础(ES5).pptx
@@ -329,7 +329,7 @@
             <a:fld id="{B61BEF0D-F0BB-DE4B-95CE-6DB70DBA9567}" type="datetimeFigureOut">
               <a:rPr lang="en-US" smtClean="0"/>
               <a:pPr/>
-              <a:t>8/12/19</a:t>
+              <a:t>12/4/19</a:t>
             </a:fld>
             <a:endParaRPr lang="en-US" dirty="0"/>
           </a:p>
@@ -611,7 +611,7 @@
             <a:fld id="{B61BEF0D-F0BB-DE4B-95CE-6DB70DBA9567}" type="datetimeFigureOut">
               <a:rPr lang="en-US" smtClean="0"/>
               <a:pPr/>
-              <a:t>8/12/19</a:t>
+              <a:t>12/4/19</a:t>
             </a:fld>
             <a:endParaRPr lang="en-US" dirty="0"/>
           </a:p>
@@ -812,7 +812,7 @@
             <a:fld id="{B61BEF0D-F0BB-DE4B-95CE-6DB70DBA9567}" type="datetimeFigureOut">
               <a:rPr lang="en-US" smtClean="0"/>
               <a:pPr/>
-              <a:t>8/12/19</a:t>
+              <a:t>12/4/19</a:t>
             </a:fld>
             <a:endParaRPr lang="en-US" dirty="0"/>
           </a:p>
@@ -1097,7 +1097,7 @@
             <a:fld id="{B61BEF0D-F0BB-DE4B-95CE-6DB70DBA9567}" type="datetimeFigureOut">
               <a:rPr lang="en-US" smtClean="0"/>
               <a:pPr/>
-              <a:t>8/12/19</a:t>
+              <a:t>12/4/19</a:t>
             </a:fld>
             <a:endParaRPr lang="en-US" dirty="0"/>
           </a:p>
@@ -1445,7 +1445,7 @@
             <a:fld id="{B61BEF0D-F0BB-DE4B-95CE-6DB70DBA9567}" type="datetimeFigureOut">
               <a:rPr lang="en-US" smtClean="0"/>
               <a:pPr/>
-              <a:t>8/12/19</a:t>
+              <a:t>12/4/19</a:t>
             </a:fld>
             <a:endParaRPr lang="en-US" dirty="0"/>
           </a:p>
@@ -2100,7 +2100,7 @@
             <a:fld id="{B61BEF0D-F0BB-DE4B-95CE-6DB70DBA9567}" type="datetimeFigureOut">
               <a:rPr lang="en-US" smtClean="0"/>
               <a:pPr/>
-              <a:t>8/12/19</a:t>
+              <a:t>12/4/19</a:t>
             </a:fld>
             <a:endParaRPr lang="en-US" dirty="0"/>
           </a:p>
@@ -2992,7 +2992,7 @@
             <a:fld id="{B61BEF0D-F0BB-DE4B-95CE-6DB70DBA9567}" type="datetimeFigureOut">
               <a:rPr lang="en-US" smtClean="0"/>
               <a:pPr/>
-              <a:t>8/12/19</a:t>
+              <a:t>12/4/19</a:t>
             </a:fld>
             <a:endParaRPr lang="en-US" dirty="0"/>
           </a:p>
@@ -3140,7 +3140,7 @@
             <a:fld id="{B61BEF0D-F0BB-DE4B-95CE-6DB70DBA9567}" type="datetimeFigureOut">
               <a:rPr lang="en-US" smtClean="0"/>
               <a:pPr/>
-              <a:t>8/12/19</a:t>
+              <a:t>12/4/19</a:t>
             </a:fld>
             <a:endParaRPr lang="en-US" dirty="0"/>
           </a:p>
@@ -3298,7 +3298,7 @@
             <a:fld id="{B61BEF0D-F0BB-DE4B-95CE-6DB70DBA9567}" type="datetimeFigureOut">
               <a:rPr lang="en-US" smtClean="0"/>
               <a:pPr/>
-              <a:t>8/12/19</a:t>
+              <a:t>12/4/19</a:t>
             </a:fld>
             <a:endParaRPr lang="en-US" dirty="0"/>
           </a:p>
@@ -3446,7 +3446,7 @@
             <a:fld id="{B61BEF0D-F0BB-DE4B-95CE-6DB70DBA9567}" type="datetimeFigureOut">
               <a:rPr lang="en-US" smtClean="0"/>
               <a:pPr/>
-              <a:t>8/12/19</a:t>
+              <a:t>12/4/19</a:t>
             </a:fld>
             <a:endParaRPr lang="en-US" dirty="0"/>
           </a:p>
@@ -3700,7 +3700,7 @@
             <a:fld id="{B61BEF0D-F0BB-DE4B-95CE-6DB70DBA9567}" type="datetimeFigureOut">
               <a:rPr lang="en-US" smtClean="0"/>
               <a:pPr/>
-              <a:t>8/12/19</a:t>
+              <a:t>12/4/19</a:t>
             </a:fld>
             <a:endParaRPr lang="en-US" dirty="0"/>
           </a:p>
@@ -3946,7 +3946,7 @@
             <a:fld id="{B61BEF0D-F0BB-DE4B-95CE-6DB70DBA9567}" type="datetimeFigureOut">
               <a:rPr lang="en-US" smtClean="0"/>
               <a:pPr/>
-              <a:t>8/12/19</a:t>
+              <a:t>12/4/19</a:t>
             </a:fld>
             <a:endParaRPr lang="en-US" dirty="0"/>
           </a:p>
@@ -4354,7 +4354,7 @@
             <a:fld id="{B61BEF0D-F0BB-DE4B-95CE-6DB70DBA9567}" type="datetimeFigureOut">
               <a:rPr lang="en-US" smtClean="0"/>
               <a:pPr/>
-              <a:t>8/12/19</a:t>
+              <a:t>12/4/19</a:t>
             </a:fld>
             <a:endParaRPr lang="en-US" dirty="0"/>
           </a:p>
@@ -4474,7 +4474,7 @@
             <a:fld id="{B61BEF0D-F0BB-DE4B-95CE-6DB70DBA9567}" type="datetimeFigureOut">
               <a:rPr lang="en-US" smtClean="0"/>
               <a:pPr/>
-              <a:t>8/12/19</a:t>
+              <a:t>12/4/19</a:t>
             </a:fld>
             <a:endParaRPr lang="en-US" dirty="0"/>
           </a:p>
@@ -4571,7 +4571,7 @@
             <a:fld id="{B61BEF0D-F0BB-DE4B-95CE-6DB70DBA9567}" type="datetimeFigureOut">
               <a:rPr lang="en-US" smtClean="0"/>
               <a:pPr/>
-              <a:t>8/12/19</a:t>
+              <a:t>12/4/19</a:t>
             </a:fld>
             <a:endParaRPr lang="en-US" dirty="0"/>
           </a:p>
@@ -4833,7 +4833,7 @@
             <a:fld id="{B61BEF0D-F0BB-DE4B-95CE-6DB70DBA9567}" type="datetimeFigureOut">
               <a:rPr lang="en-US" smtClean="0"/>
               <a:pPr/>
-              <a:t>8/12/19</a:t>
+              <a:t>12/4/19</a:t>
             </a:fld>
             <a:endParaRPr lang="en-US" dirty="0"/>
           </a:p>
@@ -5115,7 +5115,7 @@
             <a:fld id="{B61BEF0D-F0BB-DE4B-95CE-6DB70DBA9567}" type="datetimeFigureOut">
               <a:rPr lang="en-US" smtClean="0"/>
               <a:pPr/>
-              <a:t>8/12/19</a:t>
+              <a:t>12/4/19</a:t>
             </a:fld>
             <a:endParaRPr lang="en-US" dirty="0"/>
           </a:p>
@@ -5522,7 +5522,7 @@
             <a:fld id="{B61BEF0D-F0BB-DE4B-95CE-6DB70DBA9567}" type="datetimeFigureOut">
               <a:rPr lang="en-US" smtClean="0"/>
               <a:pPr/>
-              <a:t>8/12/19</a:t>
+              <a:t>12/4/19</a:t>
             </a:fld>
             <a:endParaRPr lang="en-US" dirty="0"/>
           </a:p>
@@ -6096,53 +6096,126 @@
               <a:t>ES5</a:t>
             </a:r>
             <a:r>
-              <a:rPr kumimoji="1" lang="zh-CN" altLang="en-US"/>
+              <a:rPr kumimoji="1" lang="zh-CN" altLang="en-US" dirty="0"/>
               <a:t>）</a:t>
             </a:r>
-            <a:endParaRPr kumimoji="1" lang="zh-CN" altLang="en-US" dirty="0"/>
           </a:p>
         </p:txBody>
       </p:sp>
       <p:sp>
         <p:nvSpPr>
-          <p:cNvPr id="3" name="副标题 2">
+          <p:cNvPr id="4" name="标题 1">
             <a:extLst>
               <a:ext uri="{FF2B5EF4-FFF2-40B4-BE49-F238E27FC236}">
-                <a16:creationId xmlns:a16="http://schemas.microsoft.com/office/drawing/2014/main" id="{F1E348E1-924C-F443-A78C-A2C02951E222}"/>
+                <a16:creationId xmlns:a16="http://schemas.microsoft.com/office/drawing/2014/main" id="{5238FE06-3AF9-304E-9E88-4E5EC5148429}"/>
               </a:ext>
             </a:extLst>
           </p:cNvPr>
-          <p:cNvSpPr>
-            <a:spLocks noGrp="1"/>
+          <p:cNvSpPr txBox="1">
+            <a:spLocks/>
           </p:cNvSpPr>
-          <p:nvPr>
-            <p:ph type="subTitle" idx="1"/>
-          </p:nvPr>
+          <p:nvPr/>
         </p:nvSpPr>
         <p:spPr>
           <a:xfrm>
-            <a:off x="1245639" y="3719396"/>
-            <a:ext cx="8825658" cy="861420"/>
+            <a:off x="3103622" y="3727247"/>
+            <a:ext cx="5271893" cy="644492"/>
           </a:xfrm>
+          <a:prstGeom prst="rect">
+            <a:avLst/>
+          </a:prstGeom>
         </p:spPr>
         <p:txBody>
-          <a:bodyPr/>
-          <a:lstStyle/>
+          <a:bodyPr vert="horz" lIns="91440" tIns="45720" rIns="91440" bIns="45720" rtlCol="0" anchor="b">
+            <a:noAutofit/>
+          </a:bodyPr>
+          <a:lstStyle>
+            <a:lvl1pPr algn="l" defTabSz="457200" rtl="0" eaLnBrk="1" latinLnBrk="0" hangingPunct="1">
+              <a:spcBef>
+                <a:spcPct val="0"/>
+              </a:spcBef>
+              <a:buNone/>
+              <a:defRPr sz="7200" b="0" i="0" kern="1200">
+                <a:solidFill>
+                  <a:schemeClr val="tx2"/>
+                </a:solidFill>
+                <a:latin typeface="+mj-lt"/>
+                <a:ea typeface="+mj-ea"/>
+                <a:cs typeface="+mj-cs"/>
+              </a:defRPr>
+            </a:lvl1pPr>
+            <a:lvl2pPr eaLnBrk="1" hangingPunct="1">
+              <a:defRPr>
+                <a:solidFill>
+                  <a:schemeClr val="tx2"/>
+                </a:solidFill>
+              </a:defRPr>
+            </a:lvl2pPr>
+            <a:lvl3pPr eaLnBrk="1" hangingPunct="1">
+              <a:defRPr>
+                <a:solidFill>
+                  <a:schemeClr val="tx2"/>
+                </a:solidFill>
+              </a:defRPr>
+            </a:lvl3pPr>
+            <a:lvl4pPr eaLnBrk="1" hangingPunct="1">
+              <a:defRPr>
+                <a:solidFill>
+                  <a:schemeClr val="tx2"/>
+                </a:solidFill>
+              </a:defRPr>
+            </a:lvl4pPr>
+            <a:lvl5pPr eaLnBrk="1" hangingPunct="1">
+              <a:defRPr>
+                <a:solidFill>
+                  <a:schemeClr val="tx2"/>
+                </a:solidFill>
+              </a:defRPr>
+            </a:lvl5pPr>
+            <a:lvl6pPr eaLnBrk="1" hangingPunct="1">
+              <a:defRPr>
+                <a:solidFill>
+                  <a:schemeClr val="tx2"/>
+                </a:solidFill>
+              </a:defRPr>
+            </a:lvl6pPr>
+            <a:lvl7pPr eaLnBrk="1" hangingPunct="1">
+              <a:defRPr>
+                <a:solidFill>
+                  <a:schemeClr val="tx2"/>
+                </a:solidFill>
+              </a:defRPr>
+            </a:lvl7pPr>
+            <a:lvl8pPr eaLnBrk="1" hangingPunct="1">
+              <a:defRPr>
+                <a:solidFill>
+                  <a:schemeClr val="tx2"/>
+                </a:solidFill>
+              </a:defRPr>
+            </a:lvl8pPr>
+            <a:lvl9pPr eaLnBrk="1" hangingPunct="1">
+              <a:defRPr>
+                <a:solidFill>
+                  <a:schemeClr val="tx2"/>
+                </a:solidFill>
+              </a:defRPr>
+            </a:lvl9pPr>
+          </a:lstStyle>
           <a:p>
             <a:pPr algn="ctr"/>
             <a:r>
-              <a:rPr kumimoji="1" lang="zh-CN" altLang="en-US" dirty="0"/>
-              <a:t>董建德</a:t>
-            </a:r>
-            <a:endParaRPr kumimoji="1" lang="en-US" altLang="zh-CN" dirty="0"/>
+              <a:rPr kumimoji="1" lang="en-US" altLang="zh-CN" sz="1800" dirty="0" err="1"/>
+              <a:t>heifade</a:t>
+            </a:r>
+            <a:endParaRPr kumimoji="1" lang="en-US" altLang="zh-CN" sz="1800" dirty="0"/>
           </a:p>
           <a:p>
             <a:pPr algn="ctr"/>
             <a:r>
-              <a:rPr kumimoji="1" lang="en-US" altLang="zh-CN"/>
+              <a:rPr kumimoji="1" lang="en-US" altLang="zh-CN" sz="1800" dirty="0"/>
               <a:t>2019-08-12</a:t>
             </a:r>
-            <a:endParaRPr kumimoji="1" lang="zh-CN" altLang="en-US" dirty="0"/>
+            <a:endParaRPr kumimoji="1" lang="zh-CN" altLang="en-US" sz="1800" dirty="0"/>
           </a:p>
         </p:txBody>
       </p:sp>
